--- a/Presentation/presentation.pptx
+++ b/Presentation/presentation.pptx
@@ -4214,7 +4214,7 @@
             </a:r>
             <a:r>
               <a:rPr lang="en-US" dirty="0"/>
-              <a:t>) the customer is inserted to the route, else it gets removed again</a:t>
+              <a:t>) the customer stays in the route, else it gets removed</a:t>
             </a:r>
           </a:p>
           <a:p>
@@ -4224,7 +4224,7 @@
             </a:pPr>
             <a:r>
               <a:rPr lang="en-US" dirty="0"/>
-              <a:t>If no feasible customer can be added the next route is created and the algorithm starts again for the new route</a:t>
+              <a:t>If no feasible customer can be added in the current route, the next route is created and the algorithm starts again for the new route</a:t>
             </a:r>
           </a:p>
           <a:p>
@@ -4394,7 +4394,7 @@
             </a:pPr>
             <a:r>
               <a:rPr lang="en-US" dirty="0"/>
-              <a:t>switch the locations if the latter location has a later upper time window</a:t>
+              <a:t>Switch the locations if the latter location has a later upper time window</a:t>
             </a:r>
           </a:p>
           <a:p>
@@ -4437,7 +4437,7 @@
             </a:r>
             <a:r>
               <a:rPr lang="en-US" dirty="0"/>
-              <a:t>is dependent of the route duration, time window violations and capacity violations calculated by the feasibility checker. They get weights w1, w2 and w3</a:t>
+              <a:t>is dependent of the route duration, time window violations and capacity violations calculated by the feasibility checker. All are weighted with w1, w2 and w3 equal to 1.0.</a:t>
             </a:r>
             <a:endParaRPr lang="en-US" b="1" dirty="0"/>
           </a:p>
@@ -4582,7 +4582,7 @@
             </a:r>
             <a:r>
               <a:rPr lang="en-US" dirty="0"/>
-              <a:t>gets as input a feasible solution constructed the sequential construction algorithm [</a:t>
+              <a:t>gets as input a feasible solution constructed by the sequential construction algorithm [</a:t>
             </a:r>
             <a:r>
               <a:rPr lang="en-US" dirty="0" err="1"/>
@@ -4604,7 +4604,7 @@
             </a:r>
             <a:r>
               <a:rPr lang="en-US" dirty="0"/>
-              <a:t> variable (Max. number of customers to be destroyed), a range (to explore larger neighborhoods first, a variable iterations and a probability to accept worse solutions.</a:t>
+              <a:t> variable (max. number of customers to be destroyed), a range (to explore larger neighborhoods first), a variable iterations and a probability to accept worse solutions</a:t>
             </a:r>
           </a:p>
           <a:p>
@@ -4632,7 +4632,7 @@
             </a:r>
             <a:r>
               <a:rPr lang="en-US" dirty="0"/>
-              <a:t>repairs the solution by adding the removed customers randomly to routes. After adding a customer the hill climbing algorithm is used to improve the route.</a:t>
+              <a:t>repairs the solution by adding the removed customers randomly to the existing partial routes. After adding a customer the hill climbing algorithm is used to improve the routes</a:t>
             </a:r>
             <a:endParaRPr lang="en-US" b="1" dirty="0"/>
           </a:p>
@@ -4877,7 +4877,7 @@
             </a:pPr>
             <a:r>
               <a:rPr lang="en-US" dirty="0"/>
-              <a:t>    if it is feasible and the new solution has a smaller objective than the          old solution or with probability p set </a:t>
+              <a:t>    if it is feasible and the new solution has a better objective than the          old solution or with probability p set </a:t>
             </a:r>
             <a:r>
               <a:rPr lang="en-US" dirty="0" err="1"/>
@@ -5226,8 +5226,12 @@
               <a:buNone/>
             </a:pPr>
             <a:r>
+              <a:rPr lang="en-US" sz="5400"/>
+              <a:t>Any questions</a:t>
+            </a:r>
+            <a:r>
               <a:rPr lang="en-US" sz="5400" dirty="0"/>
-              <a:t>Any Questions?</a:t>
+              <a:t>?</a:t>
             </a:r>
           </a:p>
         </p:txBody>

--- a/Presentation/presentation.pptx
+++ b/Presentation/presentation.pptx
@@ -4012,8 +4012,14 @@
           <a:p>
             <a:r>
               <a:rPr lang="en-US" dirty="0"/>
-              <a:t>Results</a:t>
-            </a:r>
+              <a:t>Parameter tests</a:t>
+            </a:r>
+          </a:p>
+          <a:p>
+            <a:pPr marL="0" indent="0">
+              <a:buNone/>
+            </a:pPr>
+            <a:endParaRPr lang="en-US" dirty="0"/>
           </a:p>
           <a:p>
             <a:endParaRPr lang="en-US" dirty="0"/>
@@ -4228,10 +4234,15 @@
             </a:r>
           </a:p>
           <a:p>
-            <a:pPr marL="914400" lvl="1" indent="-457200">
-              <a:buFont typeface="+mj-lt"/>
-              <a:buAutoNum type="arabicPeriod"/>
-            </a:pPr>
+            <a:pPr marL="400050"/>
+            <a:r>
+              <a:rPr lang="en-US" dirty="0"/>
+              <a:t>If the solution is infeasible the sequential construction </a:t>
+            </a:r>
+            <a:r>
+              <a:rPr lang="en-US"/>
+              <a:t>algorithm restarts</a:t>
+            </a:r>
             <a:endParaRPr lang="en-US" dirty="0"/>
           </a:p>
           <a:p>
@@ -5058,10 +5069,78 @@
           <a:lstStyle/>
           <a:p>
             <a:r>
+              <a:rPr lang="en-US" dirty="0"/>
+              <a:t>For the cost function of the initial solutions we found out that we have get the best solutions if the focus is in the time window violations</a:t>
+            </a:r>
+          </a:p>
+          <a:p>
+            <a:pPr lvl="1"/>
+            <a:r>
+              <a:rPr lang="en-US" dirty="0"/>
+              <a:t>In our solution we have chosen 0.01 for the </a:t>
+            </a:r>
+            <a:r>
+              <a:rPr lang="en-US" b="1" dirty="0"/>
+              <a:t>route duration</a:t>
+            </a:r>
+            <a:r>
+              <a:rPr lang="en-US" dirty="0"/>
+              <a:t>, 0.80 for the </a:t>
+            </a:r>
+            <a:r>
+              <a:rPr lang="en-US" b="1" dirty="0"/>
+              <a:t>time window violations </a:t>
+            </a:r>
+            <a:r>
+              <a:rPr lang="en-US" dirty="0"/>
+              <a:t>and 0.19 for the </a:t>
+            </a:r>
+            <a:r>
+              <a:rPr lang="en-US" b="1" dirty="0"/>
+              <a:t>capacity violations</a:t>
+            </a:r>
+          </a:p>
+          <a:p>
+            <a:r>
+              <a:rPr lang="en-US" dirty="0"/>
+              <a:t>The LNS found good solutions with the following parameters:</a:t>
+            </a:r>
+          </a:p>
+          <a:p>
+            <a:pPr lvl="1"/>
+            <a:r>
               <a:rPr lang="en-US" dirty="0" err="1"/>
-              <a:t>ToDo</a:t>
-            </a:r>
-            <a:endParaRPr lang="en-US" dirty="0"/>
+              <a:t>maxSize</a:t>
+            </a:r>
+            <a:r>
+              <a:rPr lang="en-US" dirty="0"/>
+              <a:t> = 3</a:t>
+            </a:r>
+          </a:p>
+          <a:p>
+            <a:pPr lvl="1"/>
+            <a:r>
+              <a:rPr lang="en-US" dirty="0"/>
+              <a:t>range = 1</a:t>
+            </a:r>
+          </a:p>
+          <a:p>
+            <a:pPr lvl="1"/>
+            <a:r>
+              <a:rPr lang="en-US" dirty="0"/>
+              <a:t>iterations = 5000</a:t>
+            </a:r>
+          </a:p>
+          <a:p>
+            <a:pPr lvl="1"/>
+            <a:r>
+              <a:rPr lang="en-US" dirty="0" err="1"/>
+              <a:t>probabilty</a:t>
+            </a:r>
+            <a:r>
+              <a:rPr lang="en-US" dirty="0"/>
+              <a:t> to accept worse solutions = 0.25 </a:t>
+            </a:r>
           </a:p>
         </p:txBody>
       </p:sp>
@@ -5082,7 +5161,7 @@
           <a:p>
             <a:r>
               <a:rPr lang="en-US" dirty="0"/>
-              <a:t>Results</a:t>
+              <a:t>Parameter tests</a:t>
             </a:r>
           </a:p>
         </p:txBody>

--- a/Presentation/presentation.pptx
+++ b/Presentation/presentation.pptx
@@ -4448,7 +4448,14 @@
             </a:r>
             <a:r>
               <a:rPr lang="en-US" dirty="0"/>
-              <a:t>is dependent of the route duration, time window violations and capacity violations calculated by the feasibility checker. All are weighted with w1, w2 and w3 equal to 1.0.</a:t>
+              <a:t>is dependent of the route duration, time window violations and capacity violations calculated by the feasibility checker</a:t>
+            </a:r>
+          </a:p>
+          <a:p>
+            <a:pPr marL="800100" lvl="1"/>
+            <a:r>
+              <a:rPr lang="en-US" dirty="0"/>
+              <a:t>All are weighted with w1 + w2 + w3 equal to 1.0</a:t>
             </a:r>
             <a:endParaRPr lang="en-US" b="1" dirty="0"/>
           </a:p>
@@ -5070,14 +5077,14 @@
           <a:p>
             <a:r>
               <a:rPr lang="en-US" dirty="0"/>
-              <a:t>For the cost function of the initial solutions we found out that we have get the best solutions if the focus is in the time window violations</a:t>
+              <a:t>For the cost function of the initial solutions we found that we get the best solutions if we focus on the time window violations</a:t>
             </a:r>
           </a:p>
           <a:p>
             <a:pPr lvl="1"/>
             <a:r>
               <a:rPr lang="en-US" dirty="0"/>
-              <a:t>In our solution we have chosen 0.01 for the </a:t>
+              <a:t>In our current implementation we have chosen 0.01 for the </a:t>
             </a:r>
             <a:r>
               <a:rPr lang="en-US" b="1" dirty="0"/>
@@ -5140,6 +5147,12 @@
             <a:r>
               <a:rPr lang="en-US" dirty="0"/>
               <a:t> to accept worse solutions = 0.25 </a:t>
+            </a:r>
+          </a:p>
+          <a:p>
+            <a:r>
+              <a:rPr lang="en-US" dirty="0"/>
+              <a:t>Further improvements can be achieved by using a algorithm configurator</a:t>
             </a:r>
           </a:p>
         </p:txBody>

--- a/Presentation/presentation.pptx
+++ b/Presentation/presentation.pptx
@@ -289,7 +289,7 @@
               <a:pPr>
                 <a:defRPr/>
               </a:pPr>
-              <a:t>20.02.2017</a:t>
+              <a:t>21.02.2017</a:t>
             </a:fld>
             <a:endParaRPr lang="de-DE"/>
           </a:p>
@@ -504,7 +504,7 @@
               <a:pPr>
                 <a:defRPr/>
               </a:pPr>
-              <a:t>20.02.2017</a:t>
+              <a:t>21.02.2017</a:t>
             </a:fld>
             <a:endParaRPr lang="de-DE"/>
           </a:p>
@@ -5152,7 +5152,15 @@
           <a:p>
             <a:r>
               <a:rPr lang="en-US" dirty="0"/>
-              <a:t>Further improvements can be achieved by using a algorithm configurator</a:t>
+              <a:t>Further improvements can be achieved by </a:t>
+            </a:r>
+            <a:r>
+              <a:rPr lang="en-US"/>
+              <a:t>using an </a:t>
+            </a:r>
+            <a:r>
+              <a:rPr lang="en-US" dirty="0"/>
+              <a:t>algorithm configurator</a:t>
             </a:r>
           </a:p>
         </p:txBody>
